--- a/Resources/poster/poster.pptx
+++ b/Resources/poster/poster.pptx
@@ -195,7 +195,7 @@
             <a:fld id="{3A717201-49CA-46AE-A68E-D969A1D8D135}" type="datetimeFigureOut">
               <a:rPr lang="zh-CN" altLang="en-US" smtClean="0"/>
               <a:pPr/>
-              <a:t>2016-12-2</a:t>
+              <a:t>2016/12/4</a:t>
             </a:fld>
             <a:endParaRPr lang="zh-CN" altLang="en-US"/>
           </a:p>
@@ -643,7 +643,7 @@
             <a:fld id="{7CDCBD02-D446-496C-BEC0-2B552561EEEE}" type="datetimeFigureOut">
               <a:rPr lang="zh-CN" altLang="en-US" smtClean="0"/>
               <a:pPr/>
-              <a:t>2016-12-2</a:t>
+              <a:t>2016/12/4</a:t>
             </a:fld>
             <a:endParaRPr lang="zh-CN" altLang="en-US"/>
           </a:p>
@@ -810,7 +810,7 @@
             <a:fld id="{7CDCBD02-D446-496C-BEC0-2B552561EEEE}" type="datetimeFigureOut">
               <a:rPr lang="zh-CN" altLang="en-US" smtClean="0"/>
               <a:pPr/>
-              <a:t>2016-12-2</a:t>
+              <a:t>2016/12/4</a:t>
             </a:fld>
             <a:endParaRPr lang="zh-CN" altLang="en-US"/>
           </a:p>
@@ -987,7 +987,7 @@
             <a:fld id="{7CDCBD02-D446-496C-BEC0-2B552561EEEE}" type="datetimeFigureOut">
               <a:rPr lang="zh-CN" altLang="en-US" smtClean="0"/>
               <a:pPr/>
-              <a:t>2016-12-2</a:t>
+              <a:t>2016/12/4</a:t>
             </a:fld>
             <a:endParaRPr lang="zh-CN" altLang="en-US"/>
           </a:p>
@@ -1154,7 +1154,7 @@
             <a:fld id="{7CDCBD02-D446-496C-BEC0-2B552561EEEE}" type="datetimeFigureOut">
               <a:rPr lang="zh-CN" altLang="en-US" smtClean="0"/>
               <a:pPr/>
-              <a:t>2016-12-2</a:t>
+              <a:t>2016/12/4</a:t>
             </a:fld>
             <a:endParaRPr lang="zh-CN" altLang="en-US"/>
           </a:p>
@@ -1397,7 +1397,7 @@
             <a:fld id="{7CDCBD02-D446-496C-BEC0-2B552561EEEE}" type="datetimeFigureOut">
               <a:rPr lang="zh-CN" altLang="en-US" smtClean="0"/>
               <a:pPr/>
-              <a:t>2016-12-2</a:t>
+              <a:t>2016/12/4</a:t>
             </a:fld>
             <a:endParaRPr lang="zh-CN" altLang="en-US"/>
           </a:p>
@@ -1682,7 +1682,7 @@
             <a:fld id="{7CDCBD02-D446-496C-BEC0-2B552561EEEE}" type="datetimeFigureOut">
               <a:rPr lang="zh-CN" altLang="en-US" smtClean="0"/>
               <a:pPr/>
-              <a:t>2016-12-2</a:t>
+              <a:t>2016/12/4</a:t>
             </a:fld>
             <a:endParaRPr lang="zh-CN" altLang="en-US"/>
           </a:p>
@@ -2101,7 +2101,7 @@
             <a:fld id="{7CDCBD02-D446-496C-BEC0-2B552561EEEE}" type="datetimeFigureOut">
               <a:rPr lang="zh-CN" altLang="en-US" smtClean="0"/>
               <a:pPr/>
-              <a:t>2016-12-2</a:t>
+              <a:t>2016/12/4</a:t>
             </a:fld>
             <a:endParaRPr lang="zh-CN" altLang="en-US"/>
           </a:p>
@@ -2216,7 +2216,7 @@
             <a:fld id="{7CDCBD02-D446-496C-BEC0-2B552561EEEE}" type="datetimeFigureOut">
               <a:rPr lang="zh-CN" altLang="en-US" smtClean="0"/>
               <a:pPr/>
-              <a:t>2016-12-2</a:t>
+              <a:t>2016/12/4</a:t>
             </a:fld>
             <a:endParaRPr lang="zh-CN" altLang="en-US"/>
           </a:p>
@@ -2308,7 +2308,7 @@
             <a:fld id="{7CDCBD02-D446-496C-BEC0-2B552561EEEE}" type="datetimeFigureOut">
               <a:rPr lang="zh-CN" altLang="en-US" smtClean="0"/>
               <a:pPr/>
-              <a:t>2016-12-2</a:t>
+              <a:t>2016/12/4</a:t>
             </a:fld>
             <a:endParaRPr lang="zh-CN" altLang="en-US"/>
           </a:p>
@@ -2582,7 +2582,7 @@
             <a:fld id="{7CDCBD02-D446-496C-BEC0-2B552561EEEE}" type="datetimeFigureOut">
               <a:rPr lang="zh-CN" altLang="en-US" smtClean="0"/>
               <a:pPr/>
-              <a:t>2016-12-2</a:t>
+              <a:t>2016/12/4</a:t>
             </a:fld>
             <a:endParaRPr lang="zh-CN" altLang="en-US"/>
           </a:p>
@@ -2832,7 +2832,7 @@
             <a:fld id="{7CDCBD02-D446-496C-BEC0-2B552561EEEE}" type="datetimeFigureOut">
               <a:rPr lang="zh-CN" altLang="en-US" smtClean="0"/>
               <a:pPr/>
-              <a:t>2016-12-2</a:t>
+              <a:t>2016/12/4</a:t>
             </a:fld>
             <a:endParaRPr lang="zh-CN" altLang="en-US"/>
           </a:p>
@@ -3042,7 +3042,7 @@
             <a:fld id="{7CDCBD02-D446-496C-BEC0-2B552561EEEE}" type="datetimeFigureOut">
               <a:rPr lang="zh-CN" altLang="en-US" smtClean="0"/>
               <a:pPr/>
-              <a:t>2016-12-2</a:t>
+              <a:t>2016/12/4</a:t>
             </a:fld>
             <a:endParaRPr lang="zh-CN" altLang="en-US"/>
           </a:p>
@@ -4183,7 +4183,7 @@
           <a:solidFill>
             <a:schemeClr val="bg1">
               <a:lumMod val="85000"/>
-              <a:alpha val="92000"/>
+              <a:alpha val="80000"/>
             </a:schemeClr>
           </a:solidFill>
           <a:ln w="12700">
@@ -4898,14 +4898,7 @@
                 <a:latin typeface="微软雅黑" pitchFamily="34" charset="-122"/>
                 <a:ea typeface="微软雅黑" pitchFamily="34" charset="-122"/>
               </a:rPr>
-              <a:t>人工智能</a:t>
-            </a:r>
-            <a:r>
-              <a:rPr lang="zh-CN" altLang="en-US" sz="1600" dirty="0" smtClean="0">
-                <a:latin typeface="微软雅黑" pitchFamily="34" charset="-122"/>
-                <a:ea typeface="微软雅黑" pitchFamily="34" charset="-122"/>
-              </a:rPr>
-              <a:t>、机器学习和深度学习的概念</a:t>
+              <a:t>人工智能、机器学习和深度学习的概念</a:t>
             </a:r>
             <a:endParaRPr lang="zh-CN" altLang="en-US" sz="1600" dirty="0">
               <a:latin typeface="微软雅黑" pitchFamily="34" charset="-122"/>
@@ -5246,7 +5239,7 @@
         </p:nvSpPr>
         <p:spPr>
           <a:xfrm>
-            <a:off x="2987824" y="3954542"/>
+            <a:off x="2987824" y="4019140"/>
             <a:ext cx="3888432" cy="338554"/>
           </a:xfrm>
           <a:prstGeom prst="rect">
@@ -5265,14 +5258,7 @@
                 <a:latin typeface="微软雅黑" pitchFamily="34" charset="-122"/>
                 <a:ea typeface="微软雅黑" pitchFamily="34" charset="-122"/>
               </a:rPr>
-              <a:t>分享</a:t>
-            </a:r>
-            <a:r>
-              <a:rPr lang="zh-CN" altLang="en-US" sz="1600" dirty="0" smtClean="0">
-                <a:latin typeface="微软雅黑" pitchFamily="34" charset="-122"/>
-                <a:ea typeface="微软雅黑" pitchFamily="34" charset="-122"/>
-              </a:rPr>
-              <a:t>人：李  云</a:t>
+              <a:t>分享人：李  云</a:t>
             </a:r>
             <a:endParaRPr lang="zh-CN" altLang="en-US" sz="1600" dirty="0">
               <a:latin typeface="微软雅黑" pitchFamily="34" charset="-122"/>
@@ -5291,7 +5277,7 @@
         </p:nvGrpSpPr>
         <p:grpSpPr>
           <a:xfrm>
-            <a:off x="2339752" y="3681088"/>
+            <a:off x="2388933" y="3681088"/>
             <a:ext cx="539993" cy="540000"/>
             <a:chOff x="2922170" y="2162580"/>
             <a:chExt cx="2124123" cy="2124136"/>
@@ -6385,7 +6371,7 @@
         <a:sysClr val="windowText" lastClr="000000"/>
       </a:dk1>
       <a:lt1>
-        <a:sysClr val="window" lastClr="C7EDCC"/>
+        <a:sysClr val="window" lastClr="CCE8CF"/>
       </a:lt1>
       <a:dk2>
         <a:srgbClr val="1F497D"/>
@@ -6668,7 +6654,7 @@
         <a:sysClr val="windowText" lastClr="000000"/>
       </a:dk1>
       <a:lt1>
-        <a:sysClr val="window" lastClr="C7EDCC"/>
+        <a:sysClr val="window" lastClr="CCE8CF"/>
       </a:lt1>
       <a:dk2>
         <a:srgbClr val="1F497D"/>

--- a/Resources/poster/poster.pptx
+++ b/Resources/poster/poster.pptx
@@ -195,7 +195,7 @@
             <a:fld id="{3A717201-49CA-46AE-A68E-D969A1D8D135}" type="datetimeFigureOut">
               <a:rPr lang="zh-CN" altLang="en-US" smtClean="0"/>
               <a:pPr/>
-              <a:t>2016/12/4</a:t>
+              <a:t>2016/12/31</a:t>
             </a:fld>
             <a:endParaRPr lang="zh-CN" altLang="en-US"/>
           </a:p>
@@ -643,7 +643,7 @@
             <a:fld id="{7CDCBD02-D446-496C-BEC0-2B552561EEEE}" type="datetimeFigureOut">
               <a:rPr lang="zh-CN" altLang="en-US" smtClean="0"/>
               <a:pPr/>
-              <a:t>2016/12/4</a:t>
+              <a:t>2016/12/31</a:t>
             </a:fld>
             <a:endParaRPr lang="zh-CN" altLang="en-US"/>
           </a:p>
@@ -810,7 +810,7 @@
             <a:fld id="{7CDCBD02-D446-496C-BEC0-2B552561EEEE}" type="datetimeFigureOut">
               <a:rPr lang="zh-CN" altLang="en-US" smtClean="0"/>
               <a:pPr/>
-              <a:t>2016/12/4</a:t>
+              <a:t>2016/12/31</a:t>
             </a:fld>
             <a:endParaRPr lang="zh-CN" altLang="en-US"/>
           </a:p>
@@ -987,7 +987,7 @@
             <a:fld id="{7CDCBD02-D446-496C-BEC0-2B552561EEEE}" type="datetimeFigureOut">
               <a:rPr lang="zh-CN" altLang="en-US" smtClean="0"/>
               <a:pPr/>
-              <a:t>2016/12/4</a:t>
+              <a:t>2016/12/31</a:t>
             </a:fld>
             <a:endParaRPr lang="zh-CN" altLang="en-US"/>
           </a:p>
@@ -1154,7 +1154,7 @@
             <a:fld id="{7CDCBD02-D446-496C-BEC0-2B552561EEEE}" type="datetimeFigureOut">
               <a:rPr lang="zh-CN" altLang="en-US" smtClean="0"/>
               <a:pPr/>
-              <a:t>2016/12/4</a:t>
+              <a:t>2016/12/31</a:t>
             </a:fld>
             <a:endParaRPr lang="zh-CN" altLang="en-US"/>
           </a:p>
@@ -1397,7 +1397,7 @@
             <a:fld id="{7CDCBD02-D446-496C-BEC0-2B552561EEEE}" type="datetimeFigureOut">
               <a:rPr lang="zh-CN" altLang="en-US" smtClean="0"/>
               <a:pPr/>
-              <a:t>2016/12/4</a:t>
+              <a:t>2016/12/31</a:t>
             </a:fld>
             <a:endParaRPr lang="zh-CN" altLang="en-US"/>
           </a:p>
@@ -1682,7 +1682,7 @@
             <a:fld id="{7CDCBD02-D446-496C-BEC0-2B552561EEEE}" type="datetimeFigureOut">
               <a:rPr lang="zh-CN" altLang="en-US" smtClean="0"/>
               <a:pPr/>
-              <a:t>2016/12/4</a:t>
+              <a:t>2016/12/31</a:t>
             </a:fld>
             <a:endParaRPr lang="zh-CN" altLang="en-US"/>
           </a:p>
@@ -2101,7 +2101,7 @@
             <a:fld id="{7CDCBD02-D446-496C-BEC0-2B552561EEEE}" type="datetimeFigureOut">
               <a:rPr lang="zh-CN" altLang="en-US" smtClean="0"/>
               <a:pPr/>
-              <a:t>2016/12/4</a:t>
+              <a:t>2016/12/31</a:t>
             </a:fld>
             <a:endParaRPr lang="zh-CN" altLang="en-US"/>
           </a:p>
@@ -2216,7 +2216,7 @@
             <a:fld id="{7CDCBD02-D446-496C-BEC0-2B552561EEEE}" type="datetimeFigureOut">
               <a:rPr lang="zh-CN" altLang="en-US" smtClean="0"/>
               <a:pPr/>
-              <a:t>2016/12/4</a:t>
+              <a:t>2016/12/31</a:t>
             </a:fld>
             <a:endParaRPr lang="zh-CN" altLang="en-US"/>
           </a:p>
@@ -2308,7 +2308,7 @@
             <a:fld id="{7CDCBD02-D446-496C-BEC0-2B552561EEEE}" type="datetimeFigureOut">
               <a:rPr lang="zh-CN" altLang="en-US" smtClean="0"/>
               <a:pPr/>
-              <a:t>2016/12/4</a:t>
+              <a:t>2016/12/31</a:t>
             </a:fld>
             <a:endParaRPr lang="zh-CN" altLang="en-US"/>
           </a:p>
@@ -2582,7 +2582,7 @@
             <a:fld id="{7CDCBD02-D446-496C-BEC0-2B552561EEEE}" type="datetimeFigureOut">
               <a:rPr lang="zh-CN" altLang="en-US" smtClean="0"/>
               <a:pPr/>
-              <a:t>2016/12/4</a:t>
+              <a:t>2016/12/31</a:t>
             </a:fld>
             <a:endParaRPr lang="zh-CN" altLang="en-US"/>
           </a:p>
@@ -2832,7 +2832,7 @@
             <a:fld id="{7CDCBD02-D446-496C-BEC0-2B552561EEEE}" type="datetimeFigureOut">
               <a:rPr lang="zh-CN" altLang="en-US" smtClean="0"/>
               <a:pPr/>
-              <a:t>2016/12/4</a:t>
+              <a:t>2016/12/31</a:t>
             </a:fld>
             <a:endParaRPr lang="zh-CN" altLang="en-US"/>
           </a:p>
@@ -3042,7 +3042,7 @@
             <a:fld id="{7CDCBD02-D446-496C-BEC0-2B552561EEEE}" type="datetimeFigureOut">
               <a:rPr lang="zh-CN" altLang="en-US" smtClean="0"/>
               <a:pPr/>
-              <a:t>2016/12/4</a:t>
+              <a:t>2016/12/31</a:t>
             </a:fld>
             <a:endParaRPr lang="zh-CN" altLang="en-US"/>
           </a:p>
@@ -6344,6 +6344,169 @@
             <a:p>
               <a:pPr algn="ctr"/>
               <a:endParaRPr lang="zh-CN" altLang="en-US"/>
+            </a:p>
+          </p:txBody>
+        </p:sp>
+      </p:grpSp>
+      <p:grpSp>
+        <p:nvGrpSpPr>
+          <p:cNvPr id="28" name="组 96"/>
+          <p:cNvGrpSpPr/>
+          <p:nvPr/>
+        </p:nvGrpSpPr>
+        <p:grpSpPr>
+          <a:xfrm>
+            <a:off x="857224" y="714356"/>
+            <a:ext cx="1363136" cy="1363136"/>
+            <a:chOff x="5446394" y="1162855"/>
+            <a:chExt cx="815044" cy="815044"/>
+          </a:xfrm>
+          <a:effectLst>
+            <a:outerShdw blurRad="50800" dist="38100" dir="5400000" algn="t" rotWithShape="0">
+              <a:prstClr val="black">
+                <a:alpha val="40000"/>
+              </a:prstClr>
+            </a:outerShdw>
+          </a:effectLst>
+        </p:grpSpPr>
+        <p:sp>
+          <p:nvSpPr>
+            <p:cNvPr id="29" name="椭圆 28"/>
+            <p:cNvSpPr/>
+            <p:nvPr/>
+          </p:nvSpPr>
+          <p:spPr>
+            <a:xfrm>
+              <a:off x="5446394" y="1162855"/>
+              <a:ext cx="815044" cy="815044"/>
+            </a:xfrm>
+            <a:prstGeom prst="ellipse">
+              <a:avLst/>
+            </a:prstGeom>
+            <a:solidFill>
+              <a:srgbClr val="F9F5EE"/>
+            </a:solidFill>
+            <a:ln w="9525" cap="flat" cmpd="sng" algn="ctr">
+              <a:noFill/>
+              <a:prstDash val="solid"/>
+            </a:ln>
+            <a:effectLst/>
+          </p:spPr>
+          <p:txBody>
+            <a:bodyPr rtlCol="0" anchor="ctr"/>
+            <a:lstStyle/>
+            <a:p>
+              <a:pPr marL="0" marR="0" lvl="0" indent="0" algn="ctr" defTabSz="609585" eaLnBrk="1" fontAlgn="auto" latinLnBrk="0" hangingPunct="1">
+                <a:lnSpc>
+                  <a:spcPct val="100000"/>
+                </a:lnSpc>
+                <a:spcBef>
+                  <a:spcPts val="0"/>
+                </a:spcBef>
+                <a:spcAft>
+                  <a:spcPts val="0"/>
+                </a:spcAft>
+                <a:buClrTx/>
+                <a:buSzTx/>
+                <a:buFontTx/>
+                <a:buNone/>
+                <a:tabLst/>
+                <a:defRPr/>
+              </a:pPr>
+              <a:endParaRPr kumimoji="1" lang="zh-CN" altLang="en-US" sz="3200" b="0" i="0" u="none" strike="noStrike" kern="0" cap="none" spc="0" normalizeH="0" baseline="0" noProof="0" smtClean="0">
+                <a:ln>
+                  <a:noFill/>
+                </a:ln>
+                <a:solidFill>
+                  <a:srgbClr val="F9F5EE"/>
+                </a:solidFill>
+                <a:effectLst/>
+                <a:uLnTx/>
+                <a:uFillTx/>
+                <a:latin typeface="Century Gothic"/>
+                <a:ea typeface="微软雅黑"/>
+                <a:cs typeface=""/>
+              </a:endParaRPr>
+            </a:p>
+          </p:txBody>
+        </p:sp>
+        <p:sp>
+          <p:nvSpPr>
+            <p:cNvPr id="30" name="椭圆 29"/>
+            <p:cNvSpPr/>
+            <p:nvPr/>
+          </p:nvSpPr>
+          <p:spPr>
+            <a:xfrm>
+              <a:off x="5523503" y="1239965"/>
+              <a:ext cx="660826" cy="660825"/>
+            </a:xfrm>
+            <a:prstGeom prst="ellipse">
+              <a:avLst/>
+            </a:prstGeom>
+            <a:solidFill>
+              <a:srgbClr val="FB5F63">
+                <a:alpha val="85000"/>
+              </a:srgbClr>
+            </a:solidFill>
+            <a:ln w="9525" cap="flat" cmpd="sng" algn="ctr">
+              <a:noFill/>
+              <a:prstDash val="solid"/>
+            </a:ln>
+            <a:effectLst/>
+          </p:spPr>
+          <p:txBody>
+            <a:bodyPr rtlCol="0" anchor="ctr"/>
+            <a:lstStyle/>
+            <a:p>
+              <a:pPr marL="0" marR="0" lvl="0" indent="0" algn="ctr" defTabSz="609585" eaLnBrk="1" fontAlgn="auto" latinLnBrk="0" hangingPunct="1">
+                <a:lnSpc>
+                  <a:spcPct val="90000"/>
+                </a:lnSpc>
+                <a:spcBef>
+                  <a:spcPts val="0"/>
+                </a:spcBef>
+                <a:spcAft>
+                  <a:spcPts val="0"/>
+                </a:spcAft>
+                <a:buClrTx/>
+                <a:buSzTx/>
+                <a:buFontTx/>
+                <a:buNone/>
+                <a:tabLst/>
+                <a:defRPr/>
+              </a:pPr>
+              <a:r>
+                <a:rPr kumimoji="1" lang="en-US" altLang="zh-CN" sz="6400" b="1" i="0" u="none" strike="noStrike" kern="0" cap="none" spc="0" normalizeH="0" baseline="0" noProof="0" dirty="0" smtClean="0">
+                  <a:ln>
+                    <a:noFill/>
+                  </a:ln>
+                  <a:solidFill>
+                    <a:srgbClr val="F9F5EE"/>
+                  </a:solidFill>
+                  <a:effectLst/>
+                  <a:uLnTx/>
+                  <a:uFillTx/>
+                  <a:latin typeface="Century Gothic"/>
+                  <a:ea typeface="微软雅黑"/>
+                  <a:cs typeface=""/>
+                </a:rPr>
+                <a:t>1</a:t>
+              </a:r>
+              <a:endParaRPr kumimoji="1" lang="zh-CN" altLang="en-US" sz="6400" b="1" i="0" u="none" strike="noStrike" kern="0" cap="none" spc="0" normalizeH="0" baseline="0" noProof="0" dirty="0" smtClean="0">
+                <a:ln>
+                  <a:noFill/>
+                </a:ln>
+                <a:solidFill>
+                  <a:srgbClr val="F9F5EE"/>
+                </a:solidFill>
+                <a:effectLst/>
+                <a:uLnTx/>
+                <a:uFillTx/>
+                <a:latin typeface="Century Gothic"/>
+                <a:ea typeface="微软雅黑"/>
+                <a:cs typeface=""/>
+              </a:endParaRPr>
             </a:p>
           </p:txBody>
         </p:sp>

--- a/Resources/poster/poster.pptx
+++ b/Resources/poster/poster.pptx
@@ -5,12 +5,14 @@
     <p:sldMasterId id="2147483648" r:id="rId1"/>
   </p:sldMasterIdLst>
   <p:notesMasterIdLst>
-    <p:notesMasterId r:id="rId5"/>
+    <p:notesMasterId r:id="rId7"/>
   </p:notesMasterIdLst>
   <p:sldIdLst>
     <p:sldId id="334" r:id="rId2"/>
     <p:sldId id="336" r:id="rId3"/>
     <p:sldId id="338" r:id="rId4"/>
+    <p:sldId id="339" r:id="rId5"/>
+    <p:sldId id="340" r:id="rId6"/>
   </p:sldIdLst>
   <p:sldSz cx="9144000" cy="6858000" type="screen4x3"/>
   <p:notesSz cx="6858000" cy="9144000"/>
@@ -195,7 +197,7 @@
             <a:fld id="{3A717201-49CA-46AE-A68E-D969A1D8D135}" type="datetimeFigureOut">
               <a:rPr lang="zh-CN" altLang="en-US" smtClean="0"/>
               <a:pPr/>
-              <a:t>2016/12/31</a:t>
+              <a:t>2017/1/2</a:t>
             </a:fld>
             <a:endParaRPr lang="zh-CN" altLang="en-US"/>
           </a:p>
@@ -643,7 +645,7 @@
             <a:fld id="{7CDCBD02-D446-496C-BEC0-2B552561EEEE}" type="datetimeFigureOut">
               <a:rPr lang="zh-CN" altLang="en-US" smtClean="0"/>
               <a:pPr/>
-              <a:t>2016/12/31</a:t>
+              <a:t>2017/1/2</a:t>
             </a:fld>
             <a:endParaRPr lang="zh-CN" altLang="en-US"/>
           </a:p>
@@ -810,7 +812,7 @@
             <a:fld id="{7CDCBD02-D446-496C-BEC0-2B552561EEEE}" type="datetimeFigureOut">
               <a:rPr lang="zh-CN" altLang="en-US" smtClean="0"/>
               <a:pPr/>
-              <a:t>2016/12/31</a:t>
+              <a:t>2017/1/2</a:t>
             </a:fld>
             <a:endParaRPr lang="zh-CN" altLang="en-US"/>
           </a:p>
@@ -987,7 +989,7 @@
             <a:fld id="{7CDCBD02-D446-496C-BEC0-2B552561EEEE}" type="datetimeFigureOut">
               <a:rPr lang="zh-CN" altLang="en-US" smtClean="0"/>
               <a:pPr/>
-              <a:t>2016/12/31</a:t>
+              <a:t>2017/1/2</a:t>
             </a:fld>
             <a:endParaRPr lang="zh-CN" altLang="en-US"/>
           </a:p>
@@ -1154,7 +1156,7 @@
             <a:fld id="{7CDCBD02-D446-496C-BEC0-2B552561EEEE}" type="datetimeFigureOut">
               <a:rPr lang="zh-CN" altLang="en-US" smtClean="0"/>
               <a:pPr/>
-              <a:t>2016/12/31</a:t>
+              <a:t>2017/1/2</a:t>
             </a:fld>
             <a:endParaRPr lang="zh-CN" altLang="en-US"/>
           </a:p>
@@ -1397,7 +1399,7 @@
             <a:fld id="{7CDCBD02-D446-496C-BEC0-2B552561EEEE}" type="datetimeFigureOut">
               <a:rPr lang="zh-CN" altLang="en-US" smtClean="0"/>
               <a:pPr/>
-              <a:t>2016/12/31</a:t>
+              <a:t>2017/1/2</a:t>
             </a:fld>
             <a:endParaRPr lang="zh-CN" altLang="en-US"/>
           </a:p>
@@ -1682,7 +1684,7 @@
             <a:fld id="{7CDCBD02-D446-496C-BEC0-2B552561EEEE}" type="datetimeFigureOut">
               <a:rPr lang="zh-CN" altLang="en-US" smtClean="0"/>
               <a:pPr/>
-              <a:t>2016/12/31</a:t>
+              <a:t>2017/1/2</a:t>
             </a:fld>
             <a:endParaRPr lang="zh-CN" altLang="en-US"/>
           </a:p>
@@ -2101,7 +2103,7 @@
             <a:fld id="{7CDCBD02-D446-496C-BEC0-2B552561EEEE}" type="datetimeFigureOut">
               <a:rPr lang="zh-CN" altLang="en-US" smtClean="0"/>
               <a:pPr/>
-              <a:t>2016/12/31</a:t>
+              <a:t>2017/1/2</a:t>
             </a:fld>
             <a:endParaRPr lang="zh-CN" altLang="en-US"/>
           </a:p>
@@ -2216,7 +2218,7 @@
             <a:fld id="{7CDCBD02-D446-496C-BEC0-2B552561EEEE}" type="datetimeFigureOut">
               <a:rPr lang="zh-CN" altLang="en-US" smtClean="0"/>
               <a:pPr/>
-              <a:t>2016/12/31</a:t>
+              <a:t>2017/1/2</a:t>
             </a:fld>
             <a:endParaRPr lang="zh-CN" altLang="en-US"/>
           </a:p>
@@ -2308,7 +2310,7 @@
             <a:fld id="{7CDCBD02-D446-496C-BEC0-2B552561EEEE}" type="datetimeFigureOut">
               <a:rPr lang="zh-CN" altLang="en-US" smtClean="0"/>
               <a:pPr/>
-              <a:t>2016/12/31</a:t>
+              <a:t>2017/1/2</a:t>
             </a:fld>
             <a:endParaRPr lang="zh-CN" altLang="en-US"/>
           </a:p>
@@ -2582,7 +2584,7 @@
             <a:fld id="{7CDCBD02-D446-496C-BEC0-2B552561EEEE}" type="datetimeFigureOut">
               <a:rPr lang="zh-CN" altLang="en-US" smtClean="0"/>
               <a:pPr/>
-              <a:t>2016/12/31</a:t>
+              <a:t>2017/1/2</a:t>
             </a:fld>
             <a:endParaRPr lang="zh-CN" altLang="en-US"/>
           </a:p>
@@ -2832,7 +2834,7 @@
             <a:fld id="{7CDCBD02-D446-496C-BEC0-2B552561EEEE}" type="datetimeFigureOut">
               <a:rPr lang="zh-CN" altLang="en-US" smtClean="0"/>
               <a:pPr/>
-              <a:t>2016/12/31</a:t>
+              <a:t>2017/1/2</a:t>
             </a:fld>
             <a:endParaRPr lang="zh-CN" altLang="en-US"/>
           </a:p>
@@ -3042,7 +3044,7 @@
             <a:fld id="{7CDCBD02-D446-496C-BEC0-2B552561EEEE}" type="datetimeFigureOut">
               <a:rPr lang="zh-CN" altLang="en-US" smtClean="0"/>
               <a:pPr/>
-              <a:t>2016/12/31</a:t>
+              <a:t>2017/1/2</a:t>
             </a:fld>
             <a:endParaRPr lang="zh-CN" altLang="en-US"/>
           </a:p>
@@ -6526,6 +6528,830 @@
 </p:sld>
 </file>
 
+<file path=ppt/slides/slide4.xml><?xml version="1.0" encoding="utf-8"?>
+<p:sld xmlns:a="http://schemas.openxmlformats.org/drawingml/2006/main" xmlns:r="http://schemas.openxmlformats.org/officeDocument/2006/relationships" xmlns:p="http://schemas.openxmlformats.org/presentationml/2006/main">
+  <p:cSld>
+    <p:spTree>
+      <p:nvGrpSpPr>
+        <p:cNvPr id="1" name=""/>
+        <p:cNvGrpSpPr/>
+        <p:nvPr/>
+      </p:nvGrpSpPr>
+      <p:grpSpPr>
+        <a:xfrm>
+          <a:off x="0" y="0"/>
+          <a:ext cx="0" cy="0"/>
+          <a:chOff x="0" y="0"/>
+          <a:chExt cx="0" cy="0"/>
+        </a:xfrm>
+      </p:grpSpPr>
+      <p:sp>
+        <p:nvSpPr>
+          <p:cNvPr id="2" name="椭圆 1"/>
+          <p:cNvSpPr>
+            <a:spLocks noChangeAspect="1"/>
+          </p:cNvSpPr>
+          <p:nvPr/>
+        </p:nvSpPr>
+        <p:spPr>
+          <a:xfrm>
+            <a:off x="1643042" y="428604"/>
+            <a:ext cx="5760000" cy="5760000"/>
+          </a:xfrm>
+          <a:prstGeom prst="ellipse">
+            <a:avLst/>
+          </a:prstGeom>
+          <a:gradFill flip="none" rotWithShape="1">
+            <a:gsLst>
+              <a:gs pos="0">
+                <a:schemeClr val="bg1"/>
+              </a:gs>
+              <a:gs pos="100000">
+                <a:schemeClr val="bg1">
+                  <a:lumMod val="85000"/>
+                </a:schemeClr>
+              </a:gs>
+            </a:gsLst>
+            <a:lin ang="8100000" scaled="0"/>
+            <a:tileRect/>
+          </a:gradFill>
+          <a:ln w="60325">
+            <a:gradFill>
+              <a:gsLst>
+                <a:gs pos="0">
+                  <a:schemeClr val="bg1"/>
+                </a:gs>
+                <a:gs pos="100000">
+                  <a:schemeClr val="bg1">
+                    <a:lumMod val="85000"/>
+                  </a:schemeClr>
+                </a:gs>
+              </a:gsLst>
+              <a:lin ang="2700000" scaled="0"/>
+            </a:gradFill>
+          </a:ln>
+          <a:effectLst>
+            <a:outerShdw blurRad="190500" dist="38100" dir="8100000" algn="tr" rotWithShape="0">
+              <a:prstClr val="black">
+                <a:alpha val="40000"/>
+              </a:prstClr>
+            </a:outerShdw>
+          </a:effectLst>
+        </p:spPr>
+        <p:style>
+          <a:lnRef idx="2">
+            <a:schemeClr val="accent1">
+              <a:shade val="50000"/>
+            </a:schemeClr>
+          </a:lnRef>
+          <a:fillRef idx="1">
+            <a:schemeClr val="accent1"/>
+          </a:fillRef>
+          <a:effectRef idx="0">
+            <a:schemeClr val="accent1"/>
+          </a:effectRef>
+          <a:fontRef idx="minor">
+            <a:schemeClr val="lt1"/>
+          </a:fontRef>
+        </p:style>
+        <p:txBody>
+          <a:bodyPr rtlCol="0" anchor="ctr"/>
+          <a:lstStyle/>
+          <a:p>
+            <a:endParaRPr lang="zh-CN" altLang="en-US" dirty="0"/>
+          </a:p>
+        </p:txBody>
+      </p:sp>
+      <p:sp>
+        <p:nvSpPr>
+          <p:cNvPr id="3" name="文本框 2"/>
+          <p:cNvSpPr txBox="1"/>
+          <p:nvPr/>
+        </p:nvSpPr>
+        <p:spPr>
+          <a:xfrm>
+            <a:off x="2500298" y="4127354"/>
+            <a:ext cx="4032666" cy="830997"/>
+          </a:xfrm>
+          <a:prstGeom prst="rect">
+            <a:avLst/>
+          </a:prstGeom>
+          <a:noFill/>
+        </p:spPr>
+        <p:txBody>
+          <a:bodyPr wrap="square" rtlCol="0">
+            <a:spAutoFit/>
+          </a:bodyPr>
+          <a:lstStyle/>
+          <a:p>
+            <a:pPr algn="ctr"/>
+            <a:r>
+              <a:rPr lang="zh-CN" altLang="en-US" sz="4800" dirty="0">
+                <a:solidFill>
+                  <a:schemeClr val="tx1">
+                    <a:lumMod val="95000"/>
+                    <a:lumOff val="5000"/>
+                  </a:schemeClr>
+                </a:solidFill>
+                <a:latin typeface="微软雅黑 Light" panose="020B0502040204020203" pitchFamily="34" charset="-122"/>
+                <a:ea typeface="微软雅黑 Light" panose="020B0502040204020203" pitchFamily="34" charset="-122"/>
+              </a:rPr>
+              <a:t>技</a:t>
+            </a:r>
+            <a:r>
+              <a:rPr lang="zh-CN" altLang="en-US" sz="4800" dirty="0" smtClean="0">
+                <a:solidFill>
+                  <a:schemeClr val="tx1">
+                    <a:lumMod val="95000"/>
+                    <a:lumOff val="5000"/>
+                  </a:schemeClr>
+                </a:solidFill>
+                <a:latin typeface="微软雅黑 Light" panose="020B0502040204020203" pitchFamily="34" charset="-122"/>
+                <a:ea typeface="微软雅黑 Light" panose="020B0502040204020203" pitchFamily="34" charset="-122"/>
+              </a:rPr>
+              <a:t>术实践总结</a:t>
+            </a:r>
+            <a:endParaRPr lang="zh-CN" altLang="en-US" sz="4800" dirty="0">
+              <a:solidFill>
+                <a:schemeClr val="tx1">
+                  <a:lumMod val="95000"/>
+                  <a:lumOff val="5000"/>
+                </a:schemeClr>
+              </a:solidFill>
+              <a:latin typeface="微软雅黑 Light" panose="020B0502040204020203" pitchFamily="34" charset="-122"/>
+              <a:ea typeface="微软雅黑 Light" panose="020B0502040204020203" pitchFamily="34" charset="-122"/>
+            </a:endParaRPr>
+          </a:p>
+        </p:txBody>
+      </p:sp>
+      <p:sp>
+        <p:nvSpPr>
+          <p:cNvPr id="4" name="文本框 3"/>
+          <p:cNvSpPr txBox="1"/>
+          <p:nvPr/>
+        </p:nvSpPr>
+        <p:spPr>
+          <a:xfrm>
+            <a:off x="2345703" y="1576767"/>
+            <a:ext cx="4299004" cy="2215991"/>
+          </a:xfrm>
+          <a:prstGeom prst="rect">
+            <a:avLst/>
+          </a:prstGeom>
+          <a:noFill/>
+          <a:ln>
+            <a:noFill/>
+          </a:ln>
+        </p:spPr>
+        <p:txBody>
+          <a:bodyPr wrap="square" rtlCol="0">
+            <a:spAutoFit/>
+          </a:bodyPr>
+          <a:lstStyle/>
+          <a:p>
+            <a:pPr algn="ctr"/>
+            <a:r>
+              <a:rPr lang="en-US" altLang="zh-CN" sz="13800" dirty="0" smtClean="0">
+                <a:solidFill>
+                  <a:srgbClr val="FFC000"/>
+                </a:solidFill>
+                <a:latin typeface="微软雅黑 Light" panose="020B0502040204020203" pitchFamily="34" charset="-122"/>
+                <a:ea typeface="微软雅黑 Light" panose="020B0502040204020203" pitchFamily="34" charset="-122"/>
+              </a:rPr>
+              <a:t>2016</a:t>
+            </a:r>
+            <a:endParaRPr lang="zh-CN" altLang="en-US" sz="13800" dirty="0">
+              <a:solidFill>
+                <a:srgbClr val="FFC000"/>
+              </a:solidFill>
+              <a:latin typeface="微软雅黑 Light" panose="020B0502040204020203" pitchFamily="34" charset="-122"/>
+              <a:ea typeface="微软雅黑 Light" panose="020B0502040204020203" pitchFamily="34" charset="-122"/>
+            </a:endParaRPr>
+          </a:p>
+        </p:txBody>
+      </p:sp>
+      <p:cxnSp>
+        <p:nvCxnSpPr>
+          <p:cNvPr id="5" name="直接连接符 4"/>
+          <p:cNvCxnSpPr/>
+          <p:nvPr/>
+        </p:nvCxnSpPr>
+        <p:spPr>
+          <a:xfrm>
+            <a:off x="2428860" y="3786190"/>
+            <a:ext cx="4143404" cy="1588"/>
+          </a:xfrm>
+          <a:prstGeom prst="line">
+            <a:avLst/>
+          </a:prstGeom>
+          <a:ln w="31750">
+            <a:solidFill>
+              <a:schemeClr val="bg1">
+                <a:lumMod val="75000"/>
+              </a:schemeClr>
+            </a:solidFill>
+          </a:ln>
+        </p:spPr>
+        <p:style>
+          <a:lnRef idx="1">
+            <a:schemeClr val="accent1"/>
+          </a:lnRef>
+          <a:fillRef idx="0">
+            <a:schemeClr val="accent1"/>
+          </a:fillRef>
+          <a:effectRef idx="0">
+            <a:schemeClr val="accent1"/>
+          </a:effectRef>
+          <a:fontRef idx="minor">
+            <a:schemeClr val="tx1"/>
+          </a:fontRef>
+        </p:style>
+      </p:cxnSp>
+    </p:spTree>
+    <p:extLst>
+      <p:ext uri="{BB962C8B-B14F-4D97-AF65-F5344CB8AC3E}">
+        <p14:creationId xmlns="" xmlns:p14="http://schemas.microsoft.com/office/powerpoint/2010/main" val="1943422290"/>
+      </p:ext>
+    </p:extLst>
+  </p:cSld>
+  <p:clrMapOvr>
+    <a:masterClrMapping/>
+  </p:clrMapOvr>
+  <p:timing>
+    <p:tnLst>
+      <p:par>
+        <p:cTn id="1" dur="indefinite" restart="never" nodeType="tmRoot"/>
+      </p:par>
+    </p:tnLst>
+  </p:timing>
+</p:sld>
+</file>
+
+<file path=ppt/slides/slide5.xml><?xml version="1.0" encoding="utf-8"?>
+<p:sld xmlns:a="http://schemas.openxmlformats.org/drawingml/2006/main" xmlns:r="http://schemas.openxmlformats.org/officeDocument/2006/relationships" xmlns:p="http://schemas.openxmlformats.org/presentationml/2006/main">
+  <p:cSld>
+    <p:spTree>
+      <p:nvGrpSpPr>
+        <p:cNvPr id="1" name=""/>
+        <p:cNvGrpSpPr/>
+        <p:nvPr/>
+      </p:nvGrpSpPr>
+      <p:grpSpPr>
+        <a:xfrm>
+          <a:off x="0" y="0"/>
+          <a:ext cx="0" cy="0"/>
+          <a:chOff x="0" y="0"/>
+          <a:chExt cx="0" cy="0"/>
+        </a:xfrm>
+      </p:grpSpPr>
+      <p:sp>
+        <p:nvSpPr>
+          <p:cNvPr id="2" name="等腰三角形 1"/>
+          <p:cNvSpPr/>
+          <p:nvPr/>
+        </p:nvSpPr>
+        <p:spPr>
+          <a:xfrm>
+            <a:off x="1" y="4786322"/>
+            <a:ext cx="1500165" cy="2071678"/>
+          </a:xfrm>
+          <a:prstGeom prst="triangle">
+            <a:avLst>
+              <a:gd name="adj" fmla="val 87500"/>
+            </a:avLst>
+          </a:prstGeom>
+          <a:ln>
+            <a:noFill/>
+          </a:ln>
+        </p:spPr>
+        <p:style>
+          <a:lnRef idx="2">
+            <a:schemeClr val="accent1">
+              <a:shade val="50000"/>
+            </a:schemeClr>
+          </a:lnRef>
+          <a:fillRef idx="1">
+            <a:schemeClr val="accent1"/>
+          </a:fillRef>
+          <a:effectRef idx="0">
+            <a:schemeClr val="accent1"/>
+          </a:effectRef>
+          <a:fontRef idx="minor">
+            <a:schemeClr val="lt1"/>
+          </a:fontRef>
+        </p:style>
+        <p:txBody>
+          <a:bodyPr rtlCol="0" anchor="ctr"/>
+          <a:lstStyle/>
+          <a:p>
+            <a:pPr algn="ctr"/>
+            <a:endParaRPr lang="zh-CN" altLang="en-US"/>
+          </a:p>
+        </p:txBody>
+      </p:sp>
+      <p:sp>
+        <p:nvSpPr>
+          <p:cNvPr id="3" name="等腰三角形 2"/>
+          <p:cNvSpPr/>
+          <p:nvPr/>
+        </p:nvSpPr>
+        <p:spPr>
+          <a:xfrm>
+            <a:off x="6858016" y="4714884"/>
+            <a:ext cx="1714512" cy="2163228"/>
+          </a:xfrm>
+          <a:prstGeom prst="triangle">
+            <a:avLst/>
+          </a:prstGeom>
+          <a:solidFill>
+            <a:srgbClr val="FFC000"/>
+          </a:solidFill>
+          <a:ln>
+            <a:noFill/>
+          </a:ln>
+        </p:spPr>
+        <p:style>
+          <a:lnRef idx="2">
+            <a:schemeClr val="accent1">
+              <a:shade val="50000"/>
+            </a:schemeClr>
+          </a:lnRef>
+          <a:fillRef idx="1">
+            <a:schemeClr val="accent1"/>
+          </a:fillRef>
+          <a:effectRef idx="0">
+            <a:schemeClr val="accent1"/>
+          </a:effectRef>
+          <a:fontRef idx="minor">
+            <a:schemeClr val="lt1"/>
+          </a:fontRef>
+        </p:style>
+        <p:txBody>
+          <a:bodyPr rtlCol="0" anchor="ctr"/>
+          <a:lstStyle/>
+          <a:p>
+            <a:pPr algn="ctr"/>
+            <a:endParaRPr lang="zh-CN" altLang="en-US"/>
+          </a:p>
+        </p:txBody>
+      </p:sp>
+      <p:sp>
+        <p:nvSpPr>
+          <p:cNvPr id="5" name="等腰三角形 4"/>
+          <p:cNvSpPr/>
+          <p:nvPr/>
+        </p:nvSpPr>
+        <p:spPr>
+          <a:xfrm>
+            <a:off x="6069085" y="4214818"/>
+            <a:ext cx="1646187" cy="2643181"/>
+          </a:xfrm>
+          <a:prstGeom prst="triangle">
+            <a:avLst/>
+          </a:prstGeom>
+          <a:ln>
+            <a:noFill/>
+          </a:ln>
+        </p:spPr>
+        <p:style>
+          <a:lnRef idx="2">
+            <a:schemeClr val="accent1">
+              <a:shade val="50000"/>
+            </a:schemeClr>
+          </a:lnRef>
+          <a:fillRef idx="1">
+            <a:schemeClr val="accent1"/>
+          </a:fillRef>
+          <a:effectRef idx="0">
+            <a:schemeClr val="accent1"/>
+          </a:effectRef>
+          <a:fontRef idx="minor">
+            <a:schemeClr val="lt1"/>
+          </a:fontRef>
+        </p:style>
+        <p:txBody>
+          <a:bodyPr rtlCol="0" anchor="ctr"/>
+          <a:lstStyle/>
+          <a:p>
+            <a:pPr algn="ctr"/>
+            <a:endParaRPr lang="zh-CN" altLang="en-US"/>
+          </a:p>
+        </p:txBody>
+      </p:sp>
+      <p:sp>
+        <p:nvSpPr>
+          <p:cNvPr id="6" name="等腰三角形 5"/>
+          <p:cNvSpPr/>
+          <p:nvPr/>
+        </p:nvSpPr>
+        <p:spPr>
+          <a:xfrm>
+            <a:off x="4648216" y="3857628"/>
+            <a:ext cx="2066924" cy="3000370"/>
+          </a:xfrm>
+          <a:prstGeom prst="triangle">
+            <a:avLst/>
+          </a:prstGeom>
+          <a:solidFill>
+            <a:srgbClr val="FFC000"/>
+          </a:solidFill>
+          <a:ln>
+            <a:noFill/>
+          </a:ln>
+        </p:spPr>
+        <p:style>
+          <a:lnRef idx="2">
+            <a:schemeClr val="accent1">
+              <a:shade val="50000"/>
+            </a:schemeClr>
+          </a:lnRef>
+          <a:fillRef idx="1">
+            <a:schemeClr val="accent1"/>
+          </a:fillRef>
+          <a:effectRef idx="0">
+            <a:schemeClr val="accent1"/>
+          </a:effectRef>
+          <a:fontRef idx="minor">
+            <a:schemeClr val="lt1"/>
+          </a:fontRef>
+        </p:style>
+        <p:txBody>
+          <a:bodyPr rtlCol="0" anchor="ctr"/>
+          <a:lstStyle/>
+          <a:p>
+            <a:pPr algn="ctr"/>
+            <a:endParaRPr lang="zh-CN" altLang="en-US"/>
+          </a:p>
+        </p:txBody>
+      </p:sp>
+      <p:sp>
+        <p:nvSpPr>
+          <p:cNvPr id="7" name="等腰三角形 6"/>
+          <p:cNvSpPr/>
+          <p:nvPr/>
+        </p:nvSpPr>
+        <p:spPr>
+          <a:xfrm>
+            <a:off x="3709115" y="4214818"/>
+            <a:ext cx="1863017" cy="2643183"/>
+          </a:xfrm>
+          <a:prstGeom prst="triangle">
+            <a:avLst/>
+          </a:prstGeom>
+          <a:ln>
+            <a:noFill/>
+          </a:ln>
+        </p:spPr>
+        <p:style>
+          <a:lnRef idx="2">
+            <a:schemeClr val="accent1">
+              <a:shade val="50000"/>
+            </a:schemeClr>
+          </a:lnRef>
+          <a:fillRef idx="1">
+            <a:schemeClr val="accent1"/>
+          </a:fillRef>
+          <a:effectRef idx="0">
+            <a:schemeClr val="accent1"/>
+          </a:effectRef>
+          <a:fontRef idx="minor">
+            <a:schemeClr val="lt1"/>
+          </a:fontRef>
+        </p:style>
+        <p:txBody>
+          <a:bodyPr rtlCol="0" anchor="ctr"/>
+          <a:lstStyle/>
+          <a:p>
+            <a:pPr algn="ctr"/>
+            <a:endParaRPr lang="zh-CN" altLang="en-US"/>
+          </a:p>
+        </p:txBody>
+      </p:sp>
+      <p:sp>
+        <p:nvSpPr>
+          <p:cNvPr id="8" name="等腰三角形 7"/>
+          <p:cNvSpPr/>
+          <p:nvPr/>
+        </p:nvSpPr>
+        <p:spPr>
+          <a:xfrm>
+            <a:off x="1081826" y="5072074"/>
+            <a:ext cx="1237133" cy="1785926"/>
+          </a:xfrm>
+          <a:prstGeom prst="triangle">
+            <a:avLst>
+              <a:gd name="adj" fmla="val 96846"/>
+            </a:avLst>
+          </a:prstGeom>
+          <a:ln>
+            <a:noFill/>
+          </a:ln>
+        </p:spPr>
+        <p:style>
+          <a:lnRef idx="2">
+            <a:schemeClr val="accent1">
+              <a:shade val="50000"/>
+            </a:schemeClr>
+          </a:lnRef>
+          <a:fillRef idx="1">
+            <a:schemeClr val="accent1"/>
+          </a:fillRef>
+          <a:effectRef idx="0">
+            <a:schemeClr val="accent1"/>
+          </a:effectRef>
+          <a:fontRef idx="minor">
+            <a:schemeClr val="lt1"/>
+          </a:fontRef>
+        </p:style>
+        <p:txBody>
+          <a:bodyPr rtlCol="0" anchor="ctr"/>
+          <a:lstStyle/>
+          <a:p>
+            <a:pPr algn="ctr"/>
+            <a:endParaRPr lang="zh-CN" altLang="en-US"/>
+          </a:p>
+        </p:txBody>
+      </p:sp>
+      <p:sp>
+        <p:nvSpPr>
+          <p:cNvPr id="9" name="等腰三角形 8"/>
+          <p:cNvSpPr/>
+          <p:nvPr/>
+        </p:nvSpPr>
+        <p:spPr>
+          <a:xfrm>
+            <a:off x="1967623" y="4214818"/>
+            <a:ext cx="1818559" cy="2643181"/>
+          </a:xfrm>
+          <a:prstGeom prst="triangle">
+            <a:avLst>
+              <a:gd name="adj" fmla="val 56273"/>
+            </a:avLst>
+          </a:prstGeom>
+          <a:solidFill>
+            <a:srgbClr val="FFC000"/>
+          </a:solidFill>
+          <a:ln>
+            <a:noFill/>
+          </a:ln>
+        </p:spPr>
+        <p:style>
+          <a:lnRef idx="2">
+            <a:schemeClr val="accent1">
+              <a:shade val="50000"/>
+            </a:schemeClr>
+          </a:lnRef>
+          <a:fillRef idx="1">
+            <a:schemeClr val="accent1"/>
+          </a:fillRef>
+          <a:effectRef idx="0">
+            <a:schemeClr val="accent1"/>
+          </a:effectRef>
+          <a:fontRef idx="minor">
+            <a:schemeClr val="lt1"/>
+          </a:fontRef>
+        </p:style>
+        <p:txBody>
+          <a:bodyPr rtlCol="0" anchor="ctr"/>
+          <a:lstStyle/>
+          <a:p>
+            <a:pPr algn="ctr"/>
+            <a:endParaRPr lang="zh-CN" altLang="en-US"/>
+          </a:p>
+        </p:txBody>
+      </p:sp>
+      <p:sp>
+        <p:nvSpPr>
+          <p:cNvPr id="10" name="等腰三角形 9"/>
+          <p:cNvSpPr/>
+          <p:nvPr/>
+        </p:nvSpPr>
+        <p:spPr>
+          <a:xfrm>
+            <a:off x="3040612" y="4857760"/>
+            <a:ext cx="1602825" cy="2000240"/>
+          </a:xfrm>
+          <a:prstGeom prst="triangle">
+            <a:avLst/>
+          </a:prstGeom>
+          <a:ln>
+            <a:noFill/>
+          </a:ln>
+        </p:spPr>
+        <p:style>
+          <a:lnRef idx="2">
+            <a:schemeClr val="accent1">
+              <a:shade val="50000"/>
+            </a:schemeClr>
+          </a:lnRef>
+          <a:fillRef idx="1">
+            <a:schemeClr val="accent1"/>
+          </a:fillRef>
+          <a:effectRef idx="0">
+            <a:schemeClr val="accent1"/>
+          </a:effectRef>
+          <a:fontRef idx="minor">
+            <a:schemeClr val="lt1"/>
+          </a:fontRef>
+        </p:style>
+        <p:txBody>
+          <a:bodyPr rtlCol="0" anchor="ctr"/>
+          <a:lstStyle/>
+          <a:p>
+            <a:pPr algn="ctr"/>
+            <a:endParaRPr lang="zh-CN" altLang="en-US"/>
+          </a:p>
+        </p:txBody>
+      </p:sp>
+      <p:sp>
+        <p:nvSpPr>
+          <p:cNvPr id="11" name="文本框 10"/>
+          <p:cNvSpPr txBox="1"/>
+          <p:nvPr/>
+        </p:nvSpPr>
+        <p:spPr>
+          <a:xfrm>
+            <a:off x="861590" y="1574323"/>
+            <a:ext cx="5724644" cy="646331"/>
+          </a:xfrm>
+          <a:prstGeom prst="rect">
+            <a:avLst/>
+          </a:prstGeom>
+          <a:noFill/>
+        </p:spPr>
+        <p:txBody>
+          <a:bodyPr wrap="none" rtlCol="0">
+            <a:spAutoFit/>
+          </a:bodyPr>
+          <a:lstStyle/>
+          <a:p>
+            <a:r>
+              <a:rPr lang="zh-CN" altLang="en-US" sz="3600" dirty="0" smtClean="0">
+                <a:solidFill>
+                  <a:srgbClr val="2E75B6"/>
+                </a:solidFill>
+                <a:latin typeface="锐字荣光粗黑简1.0" panose="02000500000000000000" pitchFamily="2" charset="-122"/>
+                <a:ea typeface="锐字荣光粗黑简1.0" panose="02000500000000000000" pitchFamily="2" charset="-122"/>
+              </a:rPr>
+              <a:t>幻灯片封面模板之无图模板</a:t>
+            </a:r>
+            <a:endParaRPr lang="zh-CN" altLang="en-US" sz="3600" dirty="0">
+              <a:solidFill>
+                <a:srgbClr val="2E75B6"/>
+              </a:solidFill>
+              <a:latin typeface="锐字荣光粗黑简1.0" panose="02000500000000000000" pitchFamily="2" charset="-122"/>
+              <a:ea typeface="锐字荣光粗黑简1.0" panose="02000500000000000000" pitchFamily="2" charset="-122"/>
+            </a:endParaRPr>
+          </a:p>
+        </p:txBody>
+      </p:sp>
+      <p:sp>
+        <p:nvSpPr>
+          <p:cNvPr id="12" name="文本框 11"/>
+          <p:cNvSpPr txBox="1"/>
+          <p:nvPr/>
+        </p:nvSpPr>
+        <p:spPr>
+          <a:xfrm>
+            <a:off x="861590" y="2346621"/>
+            <a:ext cx="3978049" cy="1061829"/>
+          </a:xfrm>
+          <a:prstGeom prst="rect">
+            <a:avLst/>
+          </a:prstGeom>
+          <a:noFill/>
+        </p:spPr>
+        <p:txBody>
+          <a:bodyPr wrap="square" rtlCol="0">
+            <a:spAutoFit/>
+          </a:bodyPr>
+          <a:lstStyle/>
+          <a:p>
+            <a:pPr>
+              <a:lnSpc>
+                <a:spcPct val="150000"/>
+              </a:lnSpc>
+            </a:pPr>
+            <a:r>
+              <a:rPr lang="zh-CN" altLang="en-US" sz="1400" dirty="0" smtClean="0">
+                <a:solidFill>
+                  <a:schemeClr val="bg1">
+                    <a:lumMod val="50000"/>
+                  </a:schemeClr>
+                </a:solidFill>
+                <a:latin typeface="微软雅黑 Light" panose="020B0502040204020203" pitchFamily="34" charset="-122"/>
+                <a:ea typeface="微软雅黑 Light" panose="020B0502040204020203" pitchFamily="34" charset="-122"/>
+              </a:rPr>
+              <a:t>营销新人（</a:t>
+            </a:r>
+            <a:r>
+              <a:rPr lang="en-US" altLang="zh-CN" sz="1400" dirty="0" err="1" smtClean="0">
+                <a:solidFill>
+                  <a:schemeClr val="bg1">
+                    <a:lumMod val="50000"/>
+                  </a:schemeClr>
+                </a:solidFill>
+                <a:latin typeface="微软雅黑 Light" panose="020B0502040204020203" pitchFamily="34" charset="-122"/>
+                <a:ea typeface="微软雅黑 Light" panose="020B0502040204020203" pitchFamily="34" charset="-122"/>
+              </a:rPr>
+              <a:t>yingxiaoxinren</a:t>
+            </a:r>
+            <a:r>
+              <a:rPr lang="zh-CN" altLang="en-US" sz="1400" dirty="0" smtClean="0">
+                <a:solidFill>
+                  <a:schemeClr val="bg1">
+                    <a:lumMod val="50000"/>
+                  </a:schemeClr>
+                </a:solidFill>
+                <a:latin typeface="微软雅黑 Light" panose="020B0502040204020203" pitchFamily="34" charset="-122"/>
+                <a:ea typeface="微软雅黑 Light" panose="020B0502040204020203" pitchFamily="34" charset="-122"/>
+              </a:rPr>
+              <a:t>）微信公众号，是一个每周都会分享</a:t>
+            </a:r>
+            <a:endParaRPr lang="en-US" altLang="zh-CN" sz="1400" dirty="0" smtClean="0">
+              <a:solidFill>
+                <a:schemeClr val="bg1">
+                  <a:lumMod val="50000"/>
+                </a:schemeClr>
+              </a:solidFill>
+              <a:latin typeface="微软雅黑 Light" panose="020B0502040204020203" pitchFamily="34" charset="-122"/>
+              <a:ea typeface="微软雅黑 Light" panose="020B0502040204020203" pitchFamily="34" charset="-122"/>
+            </a:endParaRPr>
+          </a:p>
+          <a:p>
+            <a:pPr>
+              <a:lnSpc>
+                <a:spcPct val="150000"/>
+              </a:lnSpc>
+            </a:pPr>
+            <a:r>
+              <a:rPr lang="zh-CN" altLang="en-US" sz="1400" dirty="0" smtClean="0">
+                <a:solidFill>
+                  <a:schemeClr val="bg1">
+                    <a:lumMod val="50000"/>
+                  </a:schemeClr>
+                </a:solidFill>
+                <a:latin typeface="微软雅黑 Light" panose="020B0502040204020203" pitchFamily="34" charset="-122"/>
+                <a:ea typeface="微软雅黑 Light" panose="020B0502040204020203" pitchFamily="34" charset="-122"/>
+              </a:rPr>
+              <a:t>一些</a:t>
+            </a:r>
+            <a:r>
+              <a:rPr lang="en-US" altLang="zh-CN" sz="1400" dirty="0" smtClean="0">
+                <a:solidFill>
+                  <a:schemeClr val="bg1">
+                    <a:lumMod val="50000"/>
+                  </a:schemeClr>
+                </a:solidFill>
+                <a:latin typeface="微软雅黑 Light" panose="020B0502040204020203" pitchFamily="34" charset="-122"/>
+                <a:ea typeface="微软雅黑 Light" panose="020B0502040204020203" pitchFamily="34" charset="-122"/>
+              </a:rPr>
+              <a:t>PPT</a:t>
+            </a:r>
+            <a:r>
+              <a:rPr lang="zh-CN" altLang="en-US" sz="1400" dirty="0" smtClean="0">
+                <a:solidFill>
+                  <a:schemeClr val="bg1">
+                    <a:lumMod val="50000"/>
+                  </a:schemeClr>
+                </a:solidFill>
+                <a:latin typeface="微软雅黑 Light" panose="020B0502040204020203" pitchFamily="34" charset="-122"/>
+                <a:ea typeface="微软雅黑 Light" panose="020B0502040204020203" pitchFamily="34" charset="-122"/>
+              </a:rPr>
+              <a:t>制作的经验的良心号。</a:t>
+            </a:r>
+            <a:endParaRPr lang="zh-CN" altLang="en-US" sz="1400" dirty="0">
+              <a:solidFill>
+                <a:schemeClr val="bg1">
+                  <a:lumMod val="50000"/>
+                </a:schemeClr>
+              </a:solidFill>
+              <a:latin typeface="微软雅黑 Light" panose="020B0502040204020203" pitchFamily="34" charset="-122"/>
+              <a:ea typeface="微软雅黑 Light" panose="020B0502040204020203" pitchFamily="34" charset="-122"/>
+            </a:endParaRPr>
+          </a:p>
+        </p:txBody>
+      </p:sp>
+    </p:spTree>
+    <p:extLst>
+      <p:ext uri="{BB962C8B-B14F-4D97-AF65-F5344CB8AC3E}">
+        <p14:creationId xmlns="" xmlns:p14="http://schemas.microsoft.com/office/powerpoint/2010/main" val="2518986954"/>
+      </p:ext>
+    </p:extLst>
+  </p:cSld>
+  <p:clrMapOvr>
+    <a:masterClrMapping/>
+  </p:clrMapOvr>
+  <p:timing>
+    <p:tnLst>
+      <p:par>
+        <p:cTn id="1" dur="indefinite" restart="never" nodeType="tmRoot"/>
+      </p:par>
+    </p:tnLst>
+  </p:timing>
+</p:sld>
+</file>
+
 <file path=ppt/theme/theme1.xml><?xml version="1.0" encoding="utf-8"?>
 <a:theme xmlns:a="http://schemas.openxmlformats.org/drawingml/2006/main" name="Office 主题">
   <a:themeElements>
